--- a/Presentation.pptx
+++ b/Presentation.pptx
@@ -210,7 +210,7 @@
           <a:p>
             <a:fld id="{291AF82F-4CD2-4562-8F4F-4574FED4FAB2}" type="datetimeFigureOut">
               <a:rPr lang="en-US" smtClean="0"/>
-              <a:t>05/12/2021</a:t>
+              <a:t>05/16/2021</a:t>
             </a:fld>
             <a:endParaRPr lang="en-US"/>
           </a:p>
@@ -609,7 +609,7 @@
           <a:p>
             <a:fld id="{86C6B8E1-B839-4583-AA18-81D4A5A7D114}" type="datetime1">
               <a:rPr lang="en-US" smtClean="0"/>
-              <a:t>05/12/2021</a:t>
+              <a:t>05/16/2021</a:t>
             </a:fld>
             <a:endParaRPr lang="en-US"/>
           </a:p>
@@ -779,7 +779,7 @@
           <a:p>
             <a:fld id="{3A9C0BBE-AE7B-474F-93CA-4F45CD11A7EA}" type="datetime1">
               <a:rPr lang="en-US" smtClean="0"/>
-              <a:t>05/12/2021</a:t>
+              <a:t>05/16/2021</a:t>
             </a:fld>
             <a:endParaRPr lang="en-US"/>
           </a:p>
@@ -959,7 +959,7 @@
           <a:p>
             <a:fld id="{89BC03A9-6662-4E7E-A05A-7485C914D9CF}" type="datetime1">
               <a:rPr lang="en-US" smtClean="0"/>
-              <a:t>05/12/2021</a:t>
+              <a:t>05/16/2021</a:t>
             </a:fld>
             <a:endParaRPr lang="en-US"/>
           </a:p>
@@ -1129,7 +1129,7 @@
           <a:p>
             <a:fld id="{58F3C264-75E8-431F-8275-F799E169D1F0}" type="datetime1">
               <a:rPr lang="en-US" smtClean="0"/>
-              <a:t>05/12/2021</a:t>
+              <a:t>05/16/2021</a:t>
             </a:fld>
             <a:endParaRPr lang="en-US"/>
           </a:p>
@@ -1375,7 +1375,7 @@
           <a:p>
             <a:fld id="{1FA2BB8C-83C7-410E-9D81-8142D4EAB98B}" type="datetime1">
               <a:rPr lang="en-US" smtClean="0"/>
-              <a:t>05/12/2021</a:t>
+              <a:t>05/16/2021</a:t>
             </a:fld>
             <a:endParaRPr lang="en-US"/>
           </a:p>
@@ -1607,7 +1607,7 @@
           <a:p>
             <a:fld id="{7057A8A0-5A31-4806-B3AA-280ABCB0CB68}" type="datetime1">
               <a:rPr lang="en-US" smtClean="0"/>
-              <a:t>05/12/2021</a:t>
+              <a:t>05/16/2021</a:t>
             </a:fld>
             <a:endParaRPr lang="en-US"/>
           </a:p>
@@ -1974,7 +1974,7 @@
           <a:p>
             <a:fld id="{6837B96F-6D59-4E19-9B5C-275FDF35DC85}" type="datetime1">
               <a:rPr lang="en-US" smtClean="0"/>
-              <a:t>05/12/2021</a:t>
+              <a:t>05/16/2021</a:t>
             </a:fld>
             <a:endParaRPr lang="en-US"/>
           </a:p>
@@ -2092,7 +2092,7 @@
           <a:p>
             <a:fld id="{4AAAE60D-B503-4F6A-802A-B2BCE74710B0}" type="datetime1">
               <a:rPr lang="en-US" smtClean="0"/>
-              <a:t>05/12/2021</a:t>
+              <a:t>05/16/2021</a:t>
             </a:fld>
             <a:endParaRPr lang="en-US"/>
           </a:p>
@@ -2187,7 +2187,7 @@
           <a:p>
             <a:fld id="{DF04254A-5516-417F-85C5-A842D39EBA53}" type="datetime1">
               <a:rPr lang="en-US" smtClean="0"/>
-              <a:t>05/12/2021</a:t>
+              <a:t>05/16/2021</a:t>
             </a:fld>
             <a:endParaRPr lang="en-US"/>
           </a:p>
@@ -2464,7 +2464,7 @@
           <a:p>
             <a:fld id="{AE9D054E-D33C-4A06-ABB9-7C33A56EE481}" type="datetime1">
               <a:rPr lang="en-US" smtClean="0"/>
-              <a:t>05/12/2021</a:t>
+              <a:t>05/16/2021</a:t>
             </a:fld>
             <a:endParaRPr lang="en-US"/>
           </a:p>
@@ -2717,7 +2717,7 @@
           <a:p>
             <a:fld id="{D59B0E28-0952-46C6-A7E5-D957C4F8DB24}" type="datetime1">
               <a:rPr lang="en-US" smtClean="0"/>
-              <a:t>05/12/2021</a:t>
+              <a:t>05/16/2021</a:t>
             </a:fld>
             <a:endParaRPr lang="en-US"/>
           </a:p>
@@ -2930,7 +2930,7 @@
           <a:p>
             <a:fld id="{5BA3C2FB-23D8-4016-B3F5-AA6801E36FF1}" type="datetime1">
               <a:rPr lang="en-US" smtClean="0"/>
-              <a:t>05/12/2021</a:t>
+              <a:t>05/16/2021</a:t>
             </a:fld>
             <a:endParaRPr lang="en-US"/>
           </a:p>
